--- a/1. Presentations/1. Introduction.pptx
+++ b/1. Presentations/1. Introduction.pptx
@@ -6881,7 +6881,7 @@
         <p:fade thruBlk="1"/>
       </p:transition>
     </mc:Choice>
-    <mc:Fallback xmlns="" xmlns:mv="urn:schemas-microsoft-com:mac:vml" xmlns:c="http://schemas.openxmlformats.org/drawingml/2006/chart" xmlns:dgm="http://schemas.openxmlformats.org/drawingml/2006/diagram" xmlns:o="urn:schemas-microsoft-com:office:office" xmlns:v="urn:schemas-microsoft-com:vml" xmlns:pvml="urn:schemas-microsoft-com:office:powerpoint" xmlns:com="http://schemas.openxmlformats.org/drawingml/2006/compatibility" xmlns:p15="http://schemas.microsoft.com/office/powerpoint/2012/main">
+    <mc:Fallback xmlns:p15="http://schemas.microsoft.com/office/powerpoint/2012/main" xmlns:com="http://schemas.openxmlformats.org/drawingml/2006/compatibility" xmlns:pvml="urn:schemas-microsoft-com:office:powerpoint" xmlns:v="urn:schemas-microsoft-com:vml" xmlns:o="urn:schemas-microsoft-com:office:office" xmlns:dgm="http://schemas.openxmlformats.org/drawingml/2006/diagram" xmlns:c="http://schemas.openxmlformats.org/drawingml/2006/chart" xmlns:mv="urn:schemas-microsoft-com:mac:vml" xmlns="">
       <p:transition spd="slow">
         <p:fade/>
       </p:transition>
@@ -9346,7 +9346,7 @@
             </a:pPr>
             <a:r>
               <a:rPr lang="en-GB" dirty="0"/>
-              <a:t>Objectives</a:t>
+              <a:t>Learning Outcomes</a:t>
             </a:r>
             <a:endParaRPr dirty="0"/>
           </a:p>
@@ -10059,10 +10059,10 @@
               <a:buNone/>
             </a:pPr>
             <a:r>
-              <a:rPr lang="en" dirty="0"/>
+              <a:rPr lang="en"/>
               <a:t>Tools &amp; Technologies</a:t>
             </a:r>
-            <a:endParaRPr dirty="0"/>
+            <a:endParaRPr/>
           </a:p>
         </p:txBody>
       </p:sp>
@@ -10166,7 +10166,7 @@
         </p:nvSpPr>
         <p:spPr>
           <a:xfrm>
-            <a:off x="311700" y="2995663"/>
+            <a:off x="311700" y="3194176"/>
             <a:ext cx="4102800" cy="652200"/>
           </a:xfrm>
           <a:prstGeom prst="rect">
@@ -10294,7 +10294,7 @@
         </p:blipFill>
         <p:spPr>
           <a:xfrm>
-            <a:off x="6095337" y="3139992"/>
+            <a:off x="6148500" y="3194176"/>
             <a:ext cx="2408692" cy="713575"/>
           </a:xfrm>
           <a:prstGeom prst="rect">
@@ -10836,10 +10836,10 @@
               <a:buNone/>
             </a:pPr>
             <a:r>
-              <a:rPr lang="en" dirty="0"/>
+              <a:rPr lang="en"/>
               <a:t>SETUP</a:t>
             </a:r>
-            <a:endParaRPr dirty="0"/>
+            <a:endParaRPr/>
           </a:p>
         </p:txBody>
       </p:sp>
@@ -10855,8 +10855,8 @@
         </p:nvSpPr>
         <p:spPr>
           <a:xfrm>
-            <a:off x="2073011" y="1517455"/>
-            <a:ext cx="5168100" cy="2579798"/>
+            <a:off x="1987950" y="1469150"/>
+            <a:ext cx="5168100" cy="2205200"/>
           </a:xfrm>
           <a:prstGeom prst="rect">
             <a:avLst/>
@@ -10870,7 +10870,7 @@
           <a:p>
             <a:pPr marL="457200" lvl="0" indent="-342900" algn="just" rtl="0">
               <a:lnSpc>
-                <a:spcPct val="250000"/>
+                <a:spcPct val="200000"/>
               </a:lnSpc>
               <a:spcBef>
                 <a:spcPts val="0"/>
@@ -10907,7 +10907,7 @@
           <a:p>
             <a:pPr marL="457200" lvl="0" indent="-342900" algn="just" rtl="0">
               <a:lnSpc>
-                <a:spcPct val="250000"/>
+                <a:spcPct val="200000"/>
               </a:lnSpc>
               <a:spcBef>
                 <a:spcPts val="0"/>
@@ -10944,7 +10944,7 @@
           <a:p>
             <a:pPr marL="457200" lvl="0" indent="-342900" algn="just" rtl="0">
               <a:lnSpc>
-                <a:spcPct val="250000"/>
+                <a:spcPct val="200000"/>
               </a:lnSpc>
               <a:spcBef>
                 <a:spcPts val="0"/>
@@ -10956,9 +10956,39 @@
               <a:buAutoNum type="arabicPeriod"/>
             </a:pPr>
             <a:r>
-              <a:rPr lang="en-US" dirty="0"/>
-              <a:t>Start off with the “Hello World” script</a:t>
+              <a:rPr lang="en" dirty="0"/>
+              <a:t>Start off with the “Hello World” program</a:t>
             </a:r>
+            <a:endParaRPr dirty="0"/>
+          </a:p>
+          <a:p>
+            <a:pPr marL="0" lvl="0" indent="0" algn="ctr" rtl="0">
+              <a:lnSpc>
+                <a:spcPct val="200000"/>
+              </a:lnSpc>
+              <a:spcBef>
+                <a:spcPts val="1600"/>
+              </a:spcBef>
+              <a:spcAft>
+                <a:spcPts val="0"/>
+              </a:spcAft>
+              <a:buNone/>
+            </a:pPr>
+            <a:endParaRPr dirty="0"/>
+          </a:p>
+          <a:p>
+            <a:pPr marL="0" lvl="0" indent="0" algn="ctr" rtl="0">
+              <a:lnSpc>
+                <a:spcPct val="200000"/>
+              </a:lnSpc>
+              <a:spcBef>
+                <a:spcPts val="1600"/>
+              </a:spcBef>
+              <a:spcAft>
+                <a:spcPts val="1600"/>
+              </a:spcAft>
+              <a:buNone/>
+            </a:pPr>
             <a:endParaRPr dirty="0"/>
           </a:p>
         </p:txBody>
@@ -11548,7 +11578,7 @@
         </p:blipFill>
         <p:spPr>
           <a:xfrm>
-            <a:off x="3215512" y="2950977"/>
+            <a:off x="3215523" y="3108775"/>
             <a:ext cx="2712976" cy="2034725"/>
           </a:xfrm>
           <a:prstGeom prst="rect">
@@ -12420,8 +12450,20 @@
             </a:pPr>
             <a:r>
               <a:rPr lang="en-US" dirty="0"/>
-              <a:t>Who is it for?</a:t>
+              <a:t>Target audience</a:t>
             </a:r>
+          </a:p>
+          <a:p>
+            <a:pPr marL="457200" lvl="0" indent="-342900" algn="l" rtl="0">
+              <a:spcBef>
+                <a:spcPts val="0"/>
+              </a:spcBef>
+              <a:spcAft>
+                <a:spcPts val="0"/>
+              </a:spcAft>
+              <a:buSzPts val="1800"/>
+              <a:buChar char="●"/>
+            </a:pPr>
             <a:endParaRPr dirty="0"/>
           </a:p>
           <a:p>
@@ -12459,18 +12501,6 @@
             <a:endParaRPr dirty="0"/>
           </a:p>
           <a:p>
-            <a:pPr marL="914400" lvl="0" indent="0" algn="l" rtl="0">
-              <a:spcBef>
-                <a:spcPts val="1600"/>
-              </a:spcBef>
-              <a:spcAft>
-                <a:spcPts val="0"/>
-              </a:spcAft>
-              <a:buNone/>
-            </a:pPr>
-            <a:endParaRPr dirty="0"/>
-          </a:p>
-          <a:p>
             <a:pPr marL="457200" lvl="0" indent="-342900" algn="l" rtl="0">
               <a:spcBef>
                 <a:spcPts val="1600"/>
@@ -12483,8 +12513,20 @@
             </a:pPr>
             <a:r>
               <a:rPr lang="en-US" dirty="0"/>
-              <a:t>Learning Outcomes:</a:t>
+              <a:t>Learning Outcomes</a:t>
             </a:r>
+          </a:p>
+          <a:p>
+            <a:pPr marL="457200" lvl="0" indent="-342900" algn="l" rtl="0">
+              <a:spcBef>
+                <a:spcPts val="1600"/>
+              </a:spcBef>
+              <a:spcAft>
+                <a:spcPts val="0"/>
+              </a:spcAft>
+              <a:buSzPts val="1800"/>
+              <a:buChar char="●"/>
+            </a:pPr>
             <a:endParaRPr dirty="0"/>
           </a:p>
           <a:p>
@@ -12517,7 +12559,7 @@
             </a:pPr>
             <a:r>
               <a:rPr lang="en" dirty="0"/>
-              <a:t>Approaching a problem from computer’s perspective</a:t>
+              <a:t>Approaching a problem from computers perspective</a:t>
             </a:r>
             <a:endParaRPr dirty="0"/>
           </a:p>
@@ -12674,7 +12716,7 @@
                                         <p:tgtEl>
                                           <p:spTgt spid="81">
                                             <p:txEl>
-                                              <p:pRg st="1" end="1"/>
+                                              <p:pRg st="2" end="2"/>
                                             </p:txEl>
                                           </p:spTgt>
                                         </p:tgtEl>
@@ -12692,7 +12734,7 @@
                                         <p:tgtEl>
                                           <p:spTgt spid="81">
                                             <p:txEl>
-                                              <p:pRg st="1" end="1"/>
+                                              <p:pRg st="2" end="2"/>
                                             </p:txEl>
                                           </p:spTgt>
                                         </p:tgtEl>
@@ -12750,7 +12792,7 @@
                                         <p:tgtEl>
                                           <p:spTgt spid="81">
                                             <p:txEl>
-                                              <p:pRg st="2" end="2"/>
+                                              <p:pRg st="3" end="3"/>
                                             </p:txEl>
                                           </p:spTgt>
                                         </p:tgtEl>
@@ -12768,7 +12810,7 @@
                                         <p:tgtEl>
                                           <p:spTgt spid="81">
                                             <p:txEl>
-                                              <p:pRg st="2" end="2"/>
+                                              <p:pRg st="3" end="3"/>
                                             </p:txEl>
                                           </p:spTgt>
                                         </p:tgtEl>
@@ -12902,7 +12944,7 @@
                                         <p:tgtEl>
                                           <p:spTgt spid="81">
                                             <p:txEl>
-                                              <p:pRg st="5" end="5"/>
+                                              <p:pRg st="6" end="6"/>
                                             </p:txEl>
                                           </p:spTgt>
                                         </p:tgtEl>
@@ -12920,7 +12962,7 @@
                                         <p:tgtEl>
                                           <p:spTgt spid="81">
                                             <p:txEl>
-                                              <p:pRg st="5" end="5"/>
+                                              <p:pRg st="6" end="6"/>
                                             </p:txEl>
                                           </p:spTgt>
                                         </p:tgtEl>
@@ -12978,7 +13020,7 @@
                                         <p:tgtEl>
                                           <p:spTgt spid="81">
                                             <p:txEl>
-                                              <p:pRg st="6" end="6"/>
+                                              <p:pRg st="7" end="7"/>
                                             </p:txEl>
                                           </p:spTgt>
                                         </p:tgtEl>
@@ -12996,7 +13038,7 @@
                                         <p:tgtEl>
                                           <p:spTgt spid="81">
                                             <p:txEl>
-                                              <p:pRg st="6" end="6"/>
+                                              <p:pRg st="7" end="7"/>
                                             </p:txEl>
                                           </p:spTgt>
                                         </p:tgtEl>
@@ -13054,7 +13096,7 @@
                                         <p:tgtEl>
                                           <p:spTgt spid="81">
                                             <p:txEl>
-                                              <p:pRg st="7" end="7"/>
+                                              <p:pRg st="8" end="8"/>
                                             </p:txEl>
                                           </p:spTgt>
                                         </p:tgtEl>
@@ -13072,7 +13114,7 @@
                                         <p:tgtEl>
                                           <p:spTgt spid="81">
                                             <p:txEl>
-                                              <p:pRg st="7" end="7"/>
+                                              <p:pRg st="8" end="8"/>
                                             </p:txEl>
                                           </p:spTgt>
                                         </p:tgtEl>
@@ -13130,7 +13172,7 @@
                                         <p:tgtEl>
                                           <p:spTgt spid="81">
                                             <p:txEl>
-                                              <p:pRg st="8" end="8"/>
+                                              <p:pRg st="9" end="9"/>
                                             </p:txEl>
                                           </p:spTgt>
                                         </p:tgtEl>
@@ -13148,7 +13190,7 @@
                                         <p:tgtEl>
                                           <p:spTgt spid="81">
                                             <p:txEl>
-                                              <p:pRg st="8" end="8"/>
+                                              <p:pRg st="9" end="9"/>
                                             </p:txEl>
                                           </p:spTgt>
                                         </p:tgtEl>
@@ -13300,7 +13342,7 @@
               <a:buNone/>
             </a:pPr>
             <a:r>
-              <a:rPr lang="en" sz="2400" b="1">
+              <a:rPr lang="en" sz="2400" b="1" dirty="0">
                 <a:solidFill>
                   <a:srgbClr val="666666"/>
                 </a:solidFill>
@@ -13311,7 +13353,7 @@
               </a:rPr>
               <a:t>Common Misconceptions about Programming</a:t>
             </a:r>
-            <a:endParaRPr sz="2400" b="1">
+            <a:endParaRPr sz="2400" b="1" dirty="0">
               <a:solidFill>
                 <a:srgbClr val="666666"/>
               </a:solidFill>
@@ -13337,7 +13379,7 @@
               <a:buAutoNum type="arabicPeriod"/>
             </a:pPr>
             <a:r>
-              <a:rPr lang="en">
+              <a:rPr lang="en" dirty="0">
                 <a:latin typeface="Calibri"/>
                 <a:ea typeface="Calibri"/>
                 <a:cs typeface="Calibri"/>
@@ -13346,7 +13388,7 @@
               <a:t>I Have To Master Mathematics To Learn a </a:t>
             </a:r>
             <a:r>
-              <a:rPr lang="en" b="1">
+              <a:rPr lang="en" b="1" dirty="0">
                 <a:solidFill>
                   <a:schemeClr val="accent3"/>
                 </a:solidFill>
@@ -13357,7 +13399,7 @@
               </a:rPr>
               <a:t>Programming Language</a:t>
             </a:r>
-            <a:endParaRPr b="1">
+            <a:endParaRPr b="1" dirty="0">
               <a:solidFill>
                 <a:schemeClr val="accent3"/>
               </a:solidFill>
@@ -13383,7 +13425,7 @@
               <a:buAutoNum type="arabicPeriod"/>
             </a:pPr>
             <a:r>
-              <a:rPr lang="en">
+              <a:rPr lang="en" dirty="0">
                 <a:latin typeface="Calibri"/>
                 <a:ea typeface="Calibri"/>
                 <a:cs typeface="Calibri"/>
@@ -13391,7 +13433,7 @@
               </a:rPr>
               <a:t>I Must Be A Genius (With An IQ OF 160)</a:t>
             </a:r>
-            <a:endParaRPr>
+            <a:endParaRPr dirty="0">
               <a:latin typeface="Calibri"/>
               <a:ea typeface="Calibri"/>
               <a:cs typeface="Calibri"/>
@@ -13414,7 +13456,7 @@
               <a:buAutoNum type="arabicPeriod"/>
             </a:pPr>
             <a:r>
-              <a:rPr lang="en">
+              <a:rPr lang="en" dirty="0">
                 <a:latin typeface="Calibri"/>
                 <a:ea typeface="Calibri"/>
                 <a:cs typeface="Calibri"/>
@@ -13423,7 +13465,7 @@
               <a:t>I Have To Go To University To Learn To </a:t>
             </a:r>
             <a:r>
-              <a:rPr lang="en" b="1">
+              <a:rPr lang="en" b="1" dirty="0">
                 <a:solidFill>
                   <a:schemeClr val="accent3"/>
                 </a:solidFill>
@@ -13434,7 +13476,7 @@
               </a:rPr>
               <a:t>Code</a:t>
             </a:r>
-            <a:endParaRPr b="1">
+            <a:endParaRPr b="1" dirty="0">
               <a:solidFill>
                 <a:schemeClr val="accent3"/>
               </a:solidFill>
@@ -13460,7 +13502,7 @@
               <a:buAutoNum type="arabicPeriod"/>
             </a:pPr>
             <a:r>
-              <a:rPr lang="en">
+              <a:rPr lang="en" dirty="0">
                 <a:latin typeface="Calibri"/>
                 <a:ea typeface="Calibri"/>
                 <a:cs typeface="Calibri"/>
@@ -13469,7 +13511,7 @@
               <a:t>I Should Memorize All </a:t>
             </a:r>
             <a:r>
-              <a:rPr lang="en" b="1">
+              <a:rPr lang="en" b="1" dirty="0">
                 <a:solidFill>
                   <a:schemeClr val="accent3"/>
                 </a:solidFill>
@@ -13481,7 +13523,7 @@
               <a:t>Syntaxes </a:t>
             </a:r>
             <a:r>
-              <a:rPr lang="en">
+              <a:rPr lang="en" dirty="0">
                 <a:latin typeface="Calibri"/>
                 <a:ea typeface="Calibri"/>
                 <a:cs typeface="Calibri"/>
@@ -13489,7 +13531,7 @@
               </a:rPr>
               <a:t>And Avoid Help</a:t>
             </a:r>
-            <a:endParaRPr>
+            <a:endParaRPr dirty="0">
               <a:latin typeface="Calibri"/>
               <a:ea typeface="Calibri"/>
               <a:cs typeface="Calibri"/>
@@ -13512,7 +13554,7 @@
               <a:buAutoNum type="arabicPeriod"/>
             </a:pPr>
             <a:r>
-              <a:rPr lang="en">
+              <a:rPr lang="en" dirty="0">
                 <a:latin typeface="Calibri"/>
                 <a:ea typeface="Calibri"/>
                 <a:cs typeface="Calibri"/>
@@ -13521,7 +13563,7 @@
               <a:t>I Can Only Start Making Money Once I have Mastered </a:t>
             </a:r>
             <a:r>
-              <a:rPr lang="en" b="1">
+              <a:rPr lang="en" b="1" dirty="0">
                 <a:solidFill>
                   <a:schemeClr val="accent3"/>
                 </a:solidFill>
@@ -13532,7 +13574,7 @@
               </a:rPr>
               <a:t>Programming</a:t>
             </a:r>
-            <a:endParaRPr b="1">
+            <a:endParaRPr b="1" dirty="0">
               <a:solidFill>
                 <a:schemeClr val="accent3"/>
               </a:solidFill>
@@ -13552,7 +13594,7 @@
               </a:spcAft>
               <a:buNone/>
             </a:pPr>
-            <a:endParaRPr>
+            <a:endParaRPr dirty="0">
               <a:latin typeface="Calibri"/>
               <a:ea typeface="Calibri"/>
               <a:cs typeface="Calibri"/>
@@ -13569,7 +13611,7 @@
               </a:spcAft>
               <a:buNone/>
             </a:pPr>
-            <a:endParaRPr>
+            <a:endParaRPr dirty="0">
               <a:latin typeface="Calibri"/>
               <a:ea typeface="Calibri"/>
               <a:cs typeface="Calibri"/>
@@ -15775,8 +15817,8 @@
         </p:nvSpPr>
         <p:spPr>
           <a:xfrm>
-            <a:off x="311700" y="1152475"/>
-            <a:ext cx="8520600" cy="771900"/>
+            <a:off x="311700" y="1152474"/>
+            <a:ext cx="8520600" cy="3079283"/>
           </a:xfrm>
           <a:prstGeom prst="rect">
             <a:avLst/>
@@ -15800,7 +15842,7 @@
               <a:buChar char="●"/>
             </a:pPr>
             <a:r>
-              <a:rPr lang="en">
+              <a:rPr lang="en" dirty="0">
                 <a:latin typeface="Calibri"/>
                 <a:ea typeface="Calibri"/>
                 <a:cs typeface="Calibri"/>
@@ -15808,7 +15850,20 @@
               </a:rPr>
               <a:t>Applications</a:t>
             </a:r>
-            <a:endParaRPr>
+          </a:p>
+          <a:p>
+            <a:pPr marL="457200" lvl="0" indent="-342900" algn="l" rtl="0">
+              <a:spcBef>
+                <a:spcPts val="0"/>
+              </a:spcBef>
+              <a:spcAft>
+                <a:spcPts val="0"/>
+              </a:spcAft>
+              <a:buSzPts val="1800"/>
+              <a:buFont typeface="Calibri"/>
+              <a:buChar char="●"/>
+            </a:pPr>
+            <a:endParaRPr dirty="0">
               <a:latin typeface="Calibri"/>
               <a:ea typeface="Calibri"/>
               <a:cs typeface="Calibri"/>
@@ -15817,6 +15872,9 @@
           </a:p>
           <a:p>
             <a:pPr marL="914400" lvl="1" indent="-317500" algn="l" rtl="0">
+              <a:lnSpc>
+                <a:spcPct val="200000"/>
+              </a:lnSpc>
               <a:spcBef>
                 <a:spcPts val="0"/>
               </a:spcBef>
@@ -15828,7 +15886,7 @@
               <a:buChar char="○"/>
             </a:pPr>
             <a:r>
-              <a:rPr lang="en">
+              <a:rPr lang="en" dirty="0">
                 <a:latin typeface="Calibri"/>
                 <a:ea typeface="Calibri"/>
                 <a:cs typeface="Calibri"/>
@@ -15836,7 +15894,235 @@
               </a:rPr>
               <a:t>Building websites (Django, Flask etc)</a:t>
             </a:r>
-            <a:endParaRPr>
+          </a:p>
+          <a:p>
+            <a:pPr marL="914400" lvl="1" indent="-317500" algn="l" rtl="0">
+              <a:lnSpc>
+                <a:spcPct val="200000"/>
+              </a:lnSpc>
+              <a:spcBef>
+                <a:spcPts val="0"/>
+              </a:spcBef>
+              <a:spcAft>
+                <a:spcPts val="0"/>
+              </a:spcAft>
+              <a:buSzPts val="1400"/>
+              <a:buFont typeface="Calibri"/>
+              <a:buChar char="○"/>
+            </a:pPr>
+            <a:r>
+              <a:rPr lang="en-GB" dirty="0">
+                <a:latin typeface="Calibri"/>
+                <a:ea typeface="Calibri"/>
+                <a:cs typeface="Calibri"/>
+                <a:sym typeface="Calibri"/>
+              </a:rPr>
+              <a:t>Artificial Intelligence (</a:t>
+            </a:r>
+            <a:r>
+              <a:rPr lang="en-GB" dirty="0" err="1">
+                <a:latin typeface="Calibri"/>
+                <a:ea typeface="Calibri"/>
+                <a:cs typeface="Calibri"/>
+                <a:sym typeface="Calibri"/>
+              </a:rPr>
+              <a:t>tensorflow</a:t>
+            </a:r>
+            <a:r>
+              <a:rPr lang="en-GB" dirty="0">
+                <a:latin typeface="Calibri"/>
+                <a:ea typeface="Calibri"/>
+                <a:cs typeface="Calibri"/>
+                <a:sym typeface="Calibri"/>
+              </a:rPr>
+              <a:t>, keras etc)</a:t>
+            </a:r>
+          </a:p>
+          <a:p>
+            <a:pPr lvl="1">
+              <a:lnSpc>
+                <a:spcPct val="200000"/>
+              </a:lnSpc>
+              <a:spcBef>
+                <a:spcPts val="0"/>
+              </a:spcBef>
+              <a:buFont typeface="Calibri"/>
+              <a:buChar char="○"/>
+            </a:pPr>
+            <a:r>
+              <a:rPr lang="en-GB" dirty="0">
+                <a:latin typeface="Calibri"/>
+                <a:ea typeface="Calibri"/>
+                <a:cs typeface="Calibri"/>
+                <a:sym typeface="Calibri"/>
+              </a:rPr>
+              <a:t>Microcontrollers programming (</a:t>
+            </a:r>
+            <a:r>
+              <a:rPr lang="en-GB" dirty="0" err="1">
+                <a:latin typeface="Calibri"/>
+                <a:ea typeface="Calibri"/>
+                <a:cs typeface="Calibri"/>
+                <a:sym typeface="Calibri"/>
+              </a:rPr>
+              <a:t>MicroPython</a:t>
+            </a:r>
+            <a:r>
+              <a:rPr lang="en-GB" dirty="0">
+                <a:latin typeface="Calibri"/>
+                <a:ea typeface="Calibri"/>
+                <a:cs typeface="Calibri"/>
+                <a:sym typeface="Calibri"/>
+              </a:rPr>
+              <a:t>, </a:t>
+            </a:r>
+            <a:r>
+              <a:rPr lang="en-GB" dirty="0" err="1">
+                <a:latin typeface="Calibri"/>
+                <a:ea typeface="Calibri"/>
+                <a:cs typeface="Calibri"/>
+                <a:sym typeface="Calibri"/>
+              </a:rPr>
+              <a:t>CircuitPython</a:t>
+            </a:r>
+            <a:r>
+              <a:rPr lang="en-GB" dirty="0">
+                <a:latin typeface="Calibri"/>
+                <a:ea typeface="Calibri"/>
+                <a:cs typeface="Calibri"/>
+                <a:sym typeface="Calibri"/>
+              </a:rPr>
+              <a:t> etc)</a:t>
+            </a:r>
+          </a:p>
+          <a:p>
+            <a:pPr lvl="1">
+              <a:lnSpc>
+                <a:spcPct val="200000"/>
+              </a:lnSpc>
+              <a:spcBef>
+                <a:spcPts val="0"/>
+              </a:spcBef>
+              <a:buFont typeface="Calibri"/>
+              <a:buChar char="○"/>
+            </a:pPr>
+            <a:r>
+              <a:rPr lang="en-GB" b="1" dirty="0">
+                <a:latin typeface="Calibri"/>
+                <a:ea typeface="Calibri"/>
+                <a:cs typeface="Calibri"/>
+                <a:sym typeface="Calibri"/>
+              </a:rPr>
+              <a:t>Scientific programming</a:t>
+            </a:r>
+            <a:r>
+              <a:rPr lang="en-GB" dirty="0">
+                <a:latin typeface="Calibri"/>
+                <a:ea typeface="Calibri"/>
+                <a:cs typeface="Calibri"/>
+                <a:sym typeface="Calibri"/>
+              </a:rPr>
+              <a:t> (</a:t>
+            </a:r>
+            <a:r>
+              <a:rPr lang="en-GB" b="1" dirty="0" err="1">
+                <a:solidFill>
+                  <a:schemeClr val="accent3"/>
+                </a:solidFill>
+                <a:latin typeface="Calibri"/>
+                <a:ea typeface="Calibri"/>
+                <a:cs typeface="Calibri"/>
+                <a:sym typeface="Calibri"/>
+              </a:rPr>
+              <a:t>Numpy</a:t>
+            </a:r>
+            <a:r>
+              <a:rPr lang="en-GB" dirty="0">
+                <a:latin typeface="Calibri"/>
+                <a:ea typeface="Calibri"/>
+                <a:cs typeface="Calibri"/>
+                <a:sym typeface="Calibri"/>
+              </a:rPr>
+              <a:t>, </a:t>
+            </a:r>
+            <a:r>
+              <a:rPr lang="en-GB" b="1" dirty="0">
+                <a:solidFill>
+                  <a:schemeClr val="accent3"/>
+                </a:solidFill>
+                <a:latin typeface="Calibri"/>
+                <a:ea typeface="Calibri"/>
+                <a:cs typeface="Calibri"/>
+                <a:sym typeface="Calibri"/>
+              </a:rPr>
+              <a:t>Matplotlib</a:t>
+            </a:r>
+            <a:r>
+              <a:rPr lang="en-GB" dirty="0">
+                <a:latin typeface="Calibri"/>
+                <a:ea typeface="Calibri"/>
+                <a:cs typeface="Calibri"/>
+                <a:sym typeface="Calibri"/>
+              </a:rPr>
+              <a:t>, </a:t>
+            </a:r>
+            <a:r>
+              <a:rPr lang="en-GB" b="1" dirty="0">
+                <a:solidFill>
+                  <a:schemeClr val="accent3"/>
+                </a:solidFill>
+                <a:latin typeface="Calibri"/>
+                <a:ea typeface="Calibri"/>
+                <a:cs typeface="Calibri"/>
+                <a:sym typeface="Calibri"/>
+              </a:rPr>
+              <a:t>Pandas</a:t>
+            </a:r>
+            <a:r>
+              <a:rPr lang="en-GB" dirty="0">
+                <a:latin typeface="Calibri"/>
+                <a:ea typeface="Calibri"/>
+                <a:cs typeface="Calibri"/>
+                <a:sym typeface="Calibri"/>
+              </a:rPr>
+              <a:t> etc)</a:t>
+            </a:r>
+          </a:p>
+          <a:p>
+            <a:pPr lvl="1">
+              <a:lnSpc>
+                <a:spcPct val="200000"/>
+              </a:lnSpc>
+              <a:spcBef>
+                <a:spcPts val="0"/>
+              </a:spcBef>
+              <a:buFont typeface="Calibri"/>
+              <a:buChar char="○"/>
+            </a:pPr>
+            <a:r>
+              <a:rPr lang="en-GB" dirty="0">
+                <a:latin typeface="Calibri"/>
+                <a:ea typeface="Calibri"/>
+                <a:cs typeface="Calibri"/>
+                <a:sym typeface="Calibri"/>
+              </a:rPr>
+              <a:t>and many more...</a:t>
+            </a:r>
+            <a:endParaRPr lang="en-GB" dirty="0"/>
+          </a:p>
+          <a:p>
+            <a:pPr marL="914400" lvl="1" indent="-317500" algn="l" rtl="0">
+              <a:spcBef>
+                <a:spcPts val="0"/>
+              </a:spcBef>
+              <a:spcAft>
+                <a:spcPts val="0"/>
+              </a:spcAft>
+              <a:buSzPts val="1400"/>
+              <a:buFont typeface="Calibri"/>
+              <a:buChar char="○"/>
+            </a:pPr>
+            <a:endParaRPr dirty="0">
               <a:latin typeface="Calibri"/>
               <a:ea typeface="Calibri"/>
               <a:cs typeface="Calibri"/>
@@ -15854,7 +16140,7 @@
               <a:buNone/>
             </a:pPr>
             <a:r>
-              <a:rPr lang="en">
+              <a:rPr lang="en" dirty="0">
                 <a:latin typeface="Calibri"/>
                 <a:ea typeface="Calibri"/>
                 <a:cs typeface="Calibri"/>
@@ -15862,7 +16148,7 @@
               </a:rPr>
               <a:t>		</a:t>
             </a:r>
-            <a:endParaRPr>
+            <a:endParaRPr dirty="0">
               <a:latin typeface="Calibri"/>
               <a:ea typeface="Calibri"/>
               <a:cs typeface="Calibri"/>
@@ -15879,7 +16165,7 @@
               </a:spcAft>
               <a:buNone/>
             </a:pPr>
-            <a:endParaRPr>
+            <a:endParaRPr dirty="0">
               <a:latin typeface="Calibri"/>
               <a:ea typeface="Calibri"/>
               <a:cs typeface="Calibri"/>
@@ -15896,7 +16182,7 @@
               </a:spcAft>
               <a:buNone/>
             </a:pPr>
-            <a:endParaRPr>
+            <a:endParaRPr dirty="0">
               <a:latin typeface="Calibri"/>
               <a:ea typeface="Calibri"/>
               <a:cs typeface="Calibri"/>
@@ -15913,7 +16199,7 @@
               </a:spcAft>
               <a:buNone/>
             </a:pPr>
-            <a:endParaRPr>
+            <a:endParaRPr dirty="0">
               <a:latin typeface="Calibri"/>
               <a:ea typeface="Calibri"/>
               <a:cs typeface="Calibri"/>
@@ -15938,7 +16224,7 @@
         </p:blipFill>
         <p:spPr>
           <a:xfrm>
-            <a:off x="1321500" y="1765200"/>
+            <a:off x="6286904" y="744574"/>
             <a:ext cx="1827176" cy="1827176"/>
           </a:xfrm>
           <a:prstGeom prst="rect">
@@ -15950,272 +16236,6 @@
           </a:ln>
         </p:spPr>
       </p:pic>
-      <p:sp>
-        <p:nvSpPr>
-          <p:cNvPr id="136" name="Google Shape;136;p23"/>
-          <p:cNvSpPr txBox="1"/>
-          <p:nvPr/>
-        </p:nvSpPr>
-        <p:spPr>
-          <a:xfrm>
-            <a:off x="367675" y="3095525"/>
-            <a:ext cx="7152000" cy="1677000"/>
-          </a:xfrm>
-          <a:prstGeom prst="rect">
-            <a:avLst/>
-          </a:prstGeom>
-          <a:noFill/>
-          <a:ln>
-            <a:noFill/>
-          </a:ln>
-        </p:spPr>
-        <p:txBody>
-          <a:bodyPr spcFirstLastPara="1" wrap="square" lIns="91425" tIns="91425" rIns="91425" bIns="91425" anchor="t" anchorCtr="0">
-            <a:noAutofit/>
-          </a:bodyPr>
-          <a:lstStyle/>
-          <a:p>
-            <a:pPr marL="0" lvl="0" indent="0" algn="l" rtl="0">
-              <a:lnSpc>
-                <a:spcPct val="115000"/>
-              </a:lnSpc>
-              <a:spcBef>
-                <a:spcPts val="0"/>
-              </a:spcBef>
-              <a:spcAft>
-                <a:spcPts val="0"/>
-              </a:spcAft>
-              <a:buClr>
-                <a:srgbClr val="000000"/>
-              </a:buClr>
-              <a:buSzPts val="1100"/>
-              <a:buFont typeface="Arial"/>
-              <a:buNone/>
-            </a:pPr>
-            <a:endParaRPr sz="1800">
-              <a:solidFill>
-                <a:schemeClr val="dk2"/>
-              </a:solidFill>
-              <a:latin typeface="Calibri"/>
-              <a:ea typeface="Calibri"/>
-              <a:cs typeface="Calibri"/>
-              <a:sym typeface="Calibri"/>
-            </a:endParaRPr>
-          </a:p>
-          <a:p>
-            <a:pPr marL="914400" lvl="1" indent="-317500" algn="l" rtl="0">
-              <a:lnSpc>
-                <a:spcPct val="115000"/>
-              </a:lnSpc>
-              <a:spcBef>
-                <a:spcPts val="1600"/>
-              </a:spcBef>
-              <a:spcAft>
-                <a:spcPts val="0"/>
-              </a:spcAft>
-              <a:buClr>
-                <a:schemeClr val="dk2"/>
-              </a:buClr>
-              <a:buSzPts val="1400"/>
-              <a:buFont typeface="Calibri"/>
-              <a:buChar char="○"/>
-            </a:pPr>
-            <a:r>
-              <a:rPr lang="en">
-                <a:solidFill>
-                  <a:schemeClr val="dk2"/>
-                </a:solidFill>
-                <a:latin typeface="Calibri"/>
-                <a:ea typeface="Calibri"/>
-                <a:cs typeface="Calibri"/>
-                <a:sym typeface="Calibri"/>
-              </a:rPr>
-              <a:t>Artificial Intelligence (tensorflow, keras etc)</a:t>
-            </a:r>
-            <a:endParaRPr>
-              <a:solidFill>
-                <a:schemeClr val="dk2"/>
-              </a:solidFill>
-              <a:latin typeface="Calibri"/>
-              <a:ea typeface="Calibri"/>
-              <a:cs typeface="Calibri"/>
-              <a:sym typeface="Calibri"/>
-            </a:endParaRPr>
-          </a:p>
-          <a:p>
-            <a:pPr marL="914400" lvl="1" indent="-317500" algn="l" rtl="0">
-              <a:lnSpc>
-                <a:spcPct val="115000"/>
-              </a:lnSpc>
-              <a:spcBef>
-                <a:spcPts val="0"/>
-              </a:spcBef>
-              <a:spcAft>
-                <a:spcPts val="0"/>
-              </a:spcAft>
-              <a:buClr>
-                <a:schemeClr val="dk2"/>
-              </a:buClr>
-              <a:buSzPts val="1400"/>
-              <a:buFont typeface="Calibri"/>
-              <a:buChar char="○"/>
-            </a:pPr>
-            <a:r>
-              <a:rPr lang="en">
-                <a:solidFill>
-                  <a:schemeClr val="dk2"/>
-                </a:solidFill>
-                <a:latin typeface="Calibri"/>
-                <a:ea typeface="Calibri"/>
-                <a:cs typeface="Calibri"/>
-                <a:sym typeface="Calibri"/>
-              </a:rPr>
-              <a:t>Microcontrollers programming (MicroPython, CircuitPython etc)</a:t>
-            </a:r>
-            <a:endParaRPr>
-              <a:solidFill>
-                <a:schemeClr val="dk2"/>
-              </a:solidFill>
-              <a:latin typeface="Calibri"/>
-              <a:ea typeface="Calibri"/>
-              <a:cs typeface="Calibri"/>
-              <a:sym typeface="Calibri"/>
-            </a:endParaRPr>
-          </a:p>
-          <a:p>
-            <a:pPr marL="914400" lvl="1" indent="-317500" algn="l" rtl="0">
-              <a:lnSpc>
-                <a:spcPct val="115000"/>
-              </a:lnSpc>
-              <a:spcBef>
-                <a:spcPts val="0"/>
-              </a:spcBef>
-              <a:spcAft>
-                <a:spcPts val="0"/>
-              </a:spcAft>
-              <a:buClr>
-                <a:schemeClr val="dk2"/>
-              </a:buClr>
-              <a:buSzPts val="1400"/>
-              <a:buFont typeface="Calibri"/>
-              <a:buChar char="○"/>
-            </a:pPr>
-            <a:r>
-              <a:rPr lang="en" b="1">
-                <a:solidFill>
-                  <a:schemeClr val="dk2"/>
-                </a:solidFill>
-                <a:latin typeface="Calibri"/>
-                <a:ea typeface="Calibri"/>
-                <a:cs typeface="Calibri"/>
-                <a:sym typeface="Calibri"/>
-              </a:rPr>
-              <a:t>Scientific programming</a:t>
-            </a:r>
-            <a:r>
-              <a:rPr lang="en">
-                <a:solidFill>
-                  <a:schemeClr val="dk2"/>
-                </a:solidFill>
-                <a:latin typeface="Calibri"/>
-                <a:ea typeface="Calibri"/>
-                <a:cs typeface="Calibri"/>
-                <a:sym typeface="Calibri"/>
-              </a:rPr>
-              <a:t> (</a:t>
-            </a:r>
-            <a:r>
-              <a:rPr lang="en" b="1">
-                <a:solidFill>
-                  <a:schemeClr val="accent3"/>
-                </a:solidFill>
-                <a:latin typeface="Calibri"/>
-                <a:ea typeface="Calibri"/>
-                <a:cs typeface="Calibri"/>
-                <a:sym typeface="Calibri"/>
-              </a:rPr>
-              <a:t>Numpy</a:t>
-            </a:r>
-            <a:r>
-              <a:rPr lang="en">
-                <a:solidFill>
-                  <a:schemeClr val="dk2"/>
-                </a:solidFill>
-                <a:latin typeface="Calibri"/>
-                <a:ea typeface="Calibri"/>
-                <a:cs typeface="Calibri"/>
-                <a:sym typeface="Calibri"/>
-              </a:rPr>
-              <a:t>, </a:t>
-            </a:r>
-            <a:r>
-              <a:rPr lang="en" b="1">
-                <a:solidFill>
-                  <a:schemeClr val="accent3"/>
-                </a:solidFill>
-                <a:latin typeface="Calibri"/>
-                <a:ea typeface="Calibri"/>
-                <a:cs typeface="Calibri"/>
-                <a:sym typeface="Calibri"/>
-              </a:rPr>
-              <a:t>Matplotlib</a:t>
-            </a:r>
-            <a:r>
-              <a:rPr lang="en">
-                <a:solidFill>
-                  <a:schemeClr val="dk2"/>
-                </a:solidFill>
-                <a:latin typeface="Calibri"/>
-                <a:ea typeface="Calibri"/>
-                <a:cs typeface="Calibri"/>
-                <a:sym typeface="Calibri"/>
-              </a:rPr>
-              <a:t>, pandas etc)</a:t>
-            </a:r>
-            <a:endParaRPr>
-              <a:solidFill>
-                <a:schemeClr val="dk2"/>
-              </a:solidFill>
-              <a:latin typeface="Calibri"/>
-              <a:ea typeface="Calibri"/>
-              <a:cs typeface="Calibri"/>
-              <a:sym typeface="Calibri"/>
-            </a:endParaRPr>
-          </a:p>
-          <a:p>
-            <a:pPr marL="914400" lvl="1" indent="-317500" algn="l" rtl="0">
-              <a:lnSpc>
-                <a:spcPct val="115000"/>
-              </a:lnSpc>
-              <a:spcBef>
-                <a:spcPts val="0"/>
-              </a:spcBef>
-              <a:spcAft>
-                <a:spcPts val="0"/>
-              </a:spcAft>
-              <a:buClr>
-                <a:schemeClr val="dk2"/>
-              </a:buClr>
-              <a:buSzPts val="1400"/>
-              <a:buFont typeface="Calibri"/>
-              <a:buChar char="○"/>
-            </a:pPr>
-            <a:r>
-              <a:rPr lang="en">
-                <a:solidFill>
-                  <a:schemeClr val="dk2"/>
-                </a:solidFill>
-                <a:latin typeface="Calibri"/>
-                <a:ea typeface="Calibri"/>
-                <a:cs typeface="Calibri"/>
-                <a:sym typeface="Calibri"/>
-              </a:rPr>
-              <a:t>and many more...</a:t>
-            </a:r>
-            <a:endParaRPr/>
-          </a:p>
-        </p:txBody>
-      </p:sp>
     </p:spTree>
   </p:cSld>
   <p:clrMapOvr>
@@ -16333,7 +16353,7 @@
                                         <p:tgtEl>
                                           <p:spTgt spid="134">
                                             <p:txEl>
-                                              <p:pRg st="1" end="1"/>
+                                              <p:pRg st="2" end="2"/>
                                             </p:txEl>
                                           </p:spTgt>
                                         </p:tgtEl>
@@ -16351,7 +16371,7 @@
                                         <p:tgtEl>
                                           <p:spTgt spid="134">
                                             <p:txEl>
-                                              <p:pRg st="1" end="1"/>
+                                              <p:pRg st="2" end="2"/>
                                             </p:txEl>
                                           </p:spTgt>
                                         </p:tgtEl>
@@ -16409,7 +16429,7 @@
                                         <p:tgtEl>
                                           <p:spTgt spid="134">
                                             <p:txEl>
-                                              <p:pRg st="2" end="2"/>
+                                              <p:pRg st="3" end="3"/>
                                             </p:txEl>
                                           </p:spTgt>
                                         </p:tgtEl>
@@ -16427,7 +16447,7 @@
                                         <p:tgtEl>
                                           <p:spTgt spid="134">
                                             <p:txEl>
-                                              <p:pRg st="2" end="2"/>
+                                              <p:pRg st="3" end="3"/>
                                             </p:txEl>
                                           </p:spTgt>
                                         </p:tgtEl>
@@ -16485,7 +16505,7 @@
                                         <p:tgtEl>
                                           <p:spTgt spid="134">
                                             <p:txEl>
-                                              <p:pRg st="3" end="3"/>
+                                              <p:pRg st="4" end="4"/>
                                             </p:txEl>
                                           </p:spTgt>
                                         </p:tgtEl>
@@ -16503,7 +16523,7 @@
                                         <p:tgtEl>
                                           <p:spTgt spid="134">
                                             <p:txEl>
-                                              <p:pRg st="3" end="3"/>
+                                              <p:pRg st="4" end="4"/>
                                             </p:txEl>
                                           </p:spTgt>
                                         </p:tgtEl>
@@ -16561,7 +16581,7 @@
                                         <p:tgtEl>
                                           <p:spTgt spid="134">
                                             <p:txEl>
-                                              <p:pRg st="4" end="4"/>
+                                              <p:pRg st="5" end="5"/>
                                             </p:txEl>
                                           </p:spTgt>
                                         </p:tgtEl>
@@ -16579,7 +16599,7 @@
                                         <p:tgtEl>
                                           <p:spTgt spid="134">
                                             <p:txEl>
-                                              <p:pRg st="4" end="4"/>
+                                              <p:pRg st="5" end="5"/>
                                             </p:txEl>
                                           </p:spTgt>
                                         </p:tgtEl>
@@ -16637,7 +16657,7 @@
                                         <p:tgtEl>
                                           <p:spTgt spid="134">
                                             <p:txEl>
-                                              <p:pRg st="5" end="5"/>
+                                              <p:pRg st="6" end="6"/>
                                             </p:txEl>
                                           </p:spTgt>
                                         </p:tgtEl>
@@ -16655,7 +16675,7 @@
                                         <p:tgtEl>
                                           <p:spTgt spid="134">
                                             <p:txEl>
-                                              <p:pRg st="5" end="5"/>
+                                              <p:pRg st="6" end="6"/>
                                             </p:txEl>
                                           </p:spTgt>
                                         </p:tgtEl>
@@ -16698,7 +16718,7 @@
                             </p:stCondLst>
                             <p:childTnLst>
                               <p:par>
-                                <p:cTn id="35" presetID="2" presetClass="entr" presetSubtype="8" fill="hold" nodeType="clickEffect">
+                                <p:cTn id="35" presetID="2" presetClass="entr" presetSubtype="4" fill="hold" nodeType="clickEffect">
                                   <p:stCondLst>
                                     <p:cond delay="0"/>
                                   </p:stCondLst>
@@ -16711,7 +16731,11 @@
                                           </p:stCondLst>
                                         </p:cTn>
                                         <p:tgtEl>
-                                          <p:spTgt spid="135"/>
+                                          <p:spTgt spid="134">
+                                            <p:txEl>
+                                              <p:pRg st="8" end="8"/>
+                                            </p:txEl>
+                                          </p:spTgt>
                                         </p:tgtEl>
                                         <p:attrNameLst>
                                           <p:attrName>style.visibility</p:attrName>
@@ -16725,81 +16749,9 @@
                                       <p:cBhvr additive="base">
                                         <p:cTn id="37" dur="1000"/>
                                         <p:tgtEl>
-                                          <p:spTgt spid="135"/>
-                                        </p:tgtEl>
-                                        <p:attrNameLst>
-                                          <p:attrName>ppt_x</p:attrName>
-                                        </p:attrNameLst>
-                                      </p:cBhvr>
-                                      <p:tavLst>
-                                        <p:tav tm="0">
-                                          <p:val>
-                                            <p:strVal val="#ppt_x-1"/>
-                                          </p:val>
-                                        </p:tav>
-                                        <p:tav tm="100000">
-                                          <p:val>
-                                            <p:strVal val="#ppt_x"/>
-                                          </p:val>
-                                        </p:tav>
-                                      </p:tavLst>
-                                    </p:anim>
-                                  </p:childTnLst>
-                                </p:cTn>
-                              </p:par>
-                            </p:childTnLst>
-                          </p:cTn>
-                        </p:par>
-                      </p:childTnLst>
-                    </p:cTn>
-                  </p:par>
-                  <p:par>
-                    <p:cTn id="38" fill="hold">
-                      <p:stCondLst>
-                        <p:cond delay="indefinite"/>
-                      </p:stCondLst>
-                      <p:childTnLst>
-                        <p:par>
-                          <p:cTn id="39" fill="hold">
-                            <p:stCondLst>
-                              <p:cond delay="0"/>
-                            </p:stCondLst>
-                            <p:childTnLst>
-                              <p:par>
-                                <p:cTn id="40" presetID="2" presetClass="entr" presetSubtype="4" fill="hold" nodeType="clickEffect">
-                                  <p:stCondLst>
-                                    <p:cond delay="0"/>
-                                  </p:stCondLst>
-                                  <p:childTnLst>
-                                    <p:set>
-                                      <p:cBhvr>
-                                        <p:cTn id="41" dur="1" fill="hold">
-                                          <p:stCondLst>
-                                            <p:cond delay="0"/>
-                                          </p:stCondLst>
-                                        </p:cTn>
-                                        <p:tgtEl>
-                                          <p:spTgt spid="136">
+                                          <p:spTgt spid="134">
                                             <p:txEl>
-                                              <p:pRg st="0" end="0"/>
-                                            </p:txEl>
-                                          </p:spTgt>
-                                        </p:tgtEl>
-                                        <p:attrNameLst>
-                                          <p:attrName>style.visibility</p:attrName>
-                                        </p:attrNameLst>
-                                      </p:cBhvr>
-                                      <p:to>
-                                        <p:strVal val="visible"/>
-                                      </p:to>
-                                    </p:set>
-                                    <p:anim calcmode="lin" valueType="num">
-                                      <p:cBhvr additive="base">
-                                        <p:cTn id="42" dur="1000"/>
-                                        <p:tgtEl>
-                                          <p:spTgt spid="136">
-                                            <p:txEl>
-                                              <p:pRg st="0" end="0"/>
+                                              <p:pRg st="8" end="8"/>
                                             </p:txEl>
                                           </p:spTgt>
                                         </p:tgtEl>
@@ -16830,36 +16782,32 @@
                     </p:cTn>
                   </p:par>
                   <p:par>
-                    <p:cTn id="43" fill="hold">
+                    <p:cTn id="38" fill="hold">
                       <p:stCondLst>
                         <p:cond delay="indefinite"/>
                       </p:stCondLst>
                       <p:childTnLst>
                         <p:par>
-                          <p:cTn id="44" fill="hold">
+                          <p:cTn id="39" fill="hold">
                             <p:stCondLst>
                               <p:cond delay="0"/>
                             </p:stCondLst>
                             <p:childTnLst>
                               <p:par>
-                                <p:cTn id="45" presetID="2" presetClass="entr" presetSubtype="4" fill="hold" nodeType="clickEffect">
+                                <p:cTn id="40" presetID="2" presetClass="entr" presetSubtype="8" fill="hold" nodeType="clickEffect">
                                   <p:stCondLst>
                                     <p:cond delay="0"/>
                                   </p:stCondLst>
                                   <p:childTnLst>
                                     <p:set>
                                       <p:cBhvr>
-                                        <p:cTn id="46" dur="1" fill="hold">
+                                        <p:cTn id="41" dur="1" fill="hold">
                                           <p:stCondLst>
                                             <p:cond delay="0"/>
                                           </p:stCondLst>
                                         </p:cTn>
                                         <p:tgtEl>
-                                          <p:spTgt spid="136">
-                                            <p:txEl>
-                                              <p:pRg st="1" end="1"/>
-                                            </p:txEl>
-                                          </p:spTgt>
+                                          <p:spTgt spid="135"/>
                                         </p:tgtEl>
                                         <p:attrNameLst>
                                           <p:attrName>style.visibility</p:attrName>
@@ -16871,255 +16819,23 @@
                                     </p:set>
                                     <p:anim calcmode="lin" valueType="num">
                                       <p:cBhvr additive="base">
-                                        <p:cTn id="47" dur="1000"/>
+                                        <p:cTn id="42" dur="1000"/>
                                         <p:tgtEl>
-                                          <p:spTgt spid="136">
-                                            <p:txEl>
-                                              <p:pRg st="1" end="1"/>
-                                            </p:txEl>
-                                          </p:spTgt>
+                                          <p:spTgt spid="135"/>
                                         </p:tgtEl>
                                         <p:attrNameLst>
-                                          <p:attrName>ppt_y</p:attrName>
+                                          <p:attrName>ppt_x</p:attrName>
                                         </p:attrNameLst>
                                       </p:cBhvr>
                                       <p:tavLst>
                                         <p:tav tm="0">
                                           <p:val>
-                                            <p:strVal val="#ppt_y+1"/>
+                                            <p:strVal val="#ppt_x-1"/>
                                           </p:val>
                                         </p:tav>
                                         <p:tav tm="100000">
                                           <p:val>
-                                            <p:strVal val="#ppt_y"/>
-                                          </p:val>
-                                        </p:tav>
-                                      </p:tavLst>
-                                    </p:anim>
-                                  </p:childTnLst>
-                                </p:cTn>
-                              </p:par>
-                            </p:childTnLst>
-                          </p:cTn>
-                        </p:par>
-                      </p:childTnLst>
-                    </p:cTn>
-                  </p:par>
-                  <p:par>
-                    <p:cTn id="48" fill="hold">
-                      <p:stCondLst>
-                        <p:cond delay="indefinite"/>
-                      </p:stCondLst>
-                      <p:childTnLst>
-                        <p:par>
-                          <p:cTn id="49" fill="hold">
-                            <p:stCondLst>
-                              <p:cond delay="0"/>
-                            </p:stCondLst>
-                            <p:childTnLst>
-                              <p:par>
-                                <p:cTn id="50" presetID="2" presetClass="entr" presetSubtype="4" fill="hold" nodeType="clickEffect">
-                                  <p:stCondLst>
-                                    <p:cond delay="0"/>
-                                  </p:stCondLst>
-                                  <p:childTnLst>
-                                    <p:set>
-                                      <p:cBhvr>
-                                        <p:cTn id="51" dur="1" fill="hold">
-                                          <p:stCondLst>
-                                            <p:cond delay="0"/>
-                                          </p:stCondLst>
-                                        </p:cTn>
-                                        <p:tgtEl>
-                                          <p:spTgt spid="136">
-                                            <p:txEl>
-                                              <p:pRg st="2" end="2"/>
-                                            </p:txEl>
-                                          </p:spTgt>
-                                        </p:tgtEl>
-                                        <p:attrNameLst>
-                                          <p:attrName>style.visibility</p:attrName>
-                                        </p:attrNameLst>
-                                      </p:cBhvr>
-                                      <p:to>
-                                        <p:strVal val="visible"/>
-                                      </p:to>
-                                    </p:set>
-                                    <p:anim calcmode="lin" valueType="num">
-                                      <p:cBhvr additive="base">
-                                        <p:cTn id="52" dur="1000"/>
-                                        <p:tgtEl>
-                                          <p:spTgt spid="136">
-                                            <p:txEl>
-                                              <p:pRg st="2" end="2"/>
-                                            </p:txEl>
-                                          </p:spTgt>
-                                        </p:tgtEl>
-                                        <p:attrNameLst>
-                                          <p:attrName>ppt_y</p:attrName>
-                                        </p:attrNameLst>
-                                      </p:cBhvr>
-                                      <p:tavLst>
-                                        <p:tav tm="0">
-                                          <p:val>
-                                            <p:strVal val="#ppt_y+1"/>
-                                          </p:val>
-                                        </p:tav>
-                                        <p:tav tm="100000">
-                                          <p:val>
-                                            <p:strVal val="#ppt_y"/>
-                                          </p:val>
-                                        </p:tav>
-                                      </p:tavLst>
-                                    </p:anim>
-                                  </p:childTnLst>
-                                </p:cTn>
-                              </p:par>
-                            </p:childTnLst>
-                          </p:cTn>
-                        </p:par>
-                      </p:childTnLst>
-                    </p:cTn>
-                  </p:par>
-                  <p:par>
-                    <p:cTn id="53" fill="hold">
-                      <p:stCondLst>
-                        <p:cond delay="indefinite"/>
-                      </p:stCondLst>
-                      <p:childTnLst>
-                        <p:par>
-                          <p:cTn id="54" fill="hold">
-                            <p:stCondLst>
-                              <p:cond delay="0"/>
-                            </p:stCondLst>
-                            <p:childTnLst>
-                              <p:par>
-                                <p:cTn id="55" presetID="2" presetClass="entr" presetSubtype="4" fill="hold" nodeType="clickEffect">
-                                  <p:stCondLst>
-                                    <p:cond delay="0"/>
-                                  </p:stCondLst>
-                                  <p:childTnLst>
-                                    <p:set>
-                                      <p:cBhvr>
-                                        <p:cTn id="56" dur="1" fill="hold">
-                                          <p:stCondLst>
-                                            <p:cond delay="0"/>
-                                          </p:stCondLst>
-                                        </p:cTn>
-                                        <p:tgtEl>
-                                          <p:spTgt spid="136">
-                                            <p:txEl>
-                                              <p:pRg st="3" end="3"/>
-                                            </p:txEl>
-                                          </p:spTgt>
-                                        </p:tgtEl>
-                                        <p:attrNameLst>
-                                          <p:attrName>style.visibility</p:attrName>
-                                        </p:attrNameLst>
-                                      </p:cBhvr>
-                                      <p:to>
-                                        <p:strVal val="visible"/>
-                                      </p:to>
-                                    </p:set>
-                                    <p:anim calcmode="lin" valueType="num">
-                                      <p:cBhvr additive="base">
-                                        <p:cTn id="57" dur="1000"/>
-                                        <p:tgtEl>
-                                          <p:spTgt spid="136">
-                                            <p:txEl>
-                                              <p:pRg st="3" end="3"/>
-                                            </p:txEl>
-                                          </p:spTgt>
-                                        </p:tgtEl>
-                                        <p:attrNameLst>
-                                          <p:attrName>ppt_y</p:attrName>
-                                        </p:attrNameLst>
-                                      </p:cBhvr>
-                                      <p:tavLst>
-                                        <p:tav tm="0">
-                                          <p:val>
-                                            <p:strVal val="#ppt_y+1"/>
-                                          </p:val>
-                                        </p:tav>
-                                        <p:tav tm="100000">
-                                          <p:val>
-                                            <p:strVal val="#ppt_y"/>
-                                          </p:val>
-                                        </p:tav>
-                                      </p:tavLst>
-                                    </p:anim>
-                                  </p:childTnLst>
-                                </p:cTn>
-                              </p:par>
-                            </p:childTnLst>
-                          </p:cTn>
-                        </p:par>
-                      </p:childTnLst>
-                    </p:cTn>
-                  </p:par>
-                  <p:par>
-                    <p:cTn id="58" fill="hold">
-                      <p:stCondLst>
-                        <p:cond delay="indefinite"/>
-                      </p:stCondLst>
-                      <p:childTnLst>
-                        <p:par>
-                          <p:cTn id="59" fill="hold">
-                            <p:stCondLst>
-                              <p:cond delay="0"/>
-                            </p:stCondLst>
-                            <p:childTnLst>
-                              <p:par>
-                                <p:cTn id="60" presetID="2" presetClass="entr" presetSubtype="4" fill="hold" nodeType="clickEffect">
-                                  <p:stCondLst>
-                                    <p:cond delay="0"/>
-                                  </p:stCondLst>
-                                  <p:childTnLst>
-                                    <p:set>
-                                      <p:cBhvr>
-                                        <p:cTn id="61" dur="1" fill="hold">
-                                          <p:stCondLst>
-                                            <p:cond delay="0"/>
-                                          </p:stCondLst>
-                                        </p:cTn>
-                                        <p:tgtEl>
-                                          <p:spTgt spid="136">
-                                            <p:txEl>
-                                              <p:pRg st="4" end="4"/>
-                                            </p:txEl>
-                                          </p:spTgt>
-                                        </p:tgtEl>
-                                        <p:attrNameLst>
-                                          <p:attrName>style.visibility</p:attrName>
-                                        </p:attrNameLst>
-                                      </p:cBhvr>
-                                      <p:to>
-                                        <p:strVal val="visible"/>
-                                      </p:to>
-                                    </p:set>
-                                    <p:anim calcmode="lin" valueType="num">
-                                      <p:cBhvr additive="base">
-                                        <p:cTn id="62" dur="1000"/>
-                                        <p:tgtEl>
-                                          <p:spTgt spid="136">
-                                            <p:txEl>
-                                              <p:pRg st="4" end="4"/>
-                                            </p:txEl>
-                                          </p:spTgt>
-                                        </p:tgtEl>
-                                        <p:attrNameLst>
-                                          <p:attrName>ppt_y</p:attrName>
-                                        </p:attrNameLst>
-                                      </p:cBhvr>
-                                      <p:tavLst>
-                                        <p:tav tm="0">
-                                          <p:val>
-                                            <p:strVal val="#ppt_y+1"/>
-                                          </p:val>
-                                        </p:tav>
-                                        <p:tav tm="100000">
-                                          <p:val>
-                                            <p:strVal val="#ppt_y"/>
+                                            <p:strVal val="#ppt_x"/>
                                           </p:val>
                                         </p:tav>
                                       </p:tavLst>
